--- a/paper/tex/fig/curvGraph.pptx
+++ b/paper/tex/fig/curvGraph.pptx
@@ -7,7 +7,7 @@
   <p:sldIdLst>
     <p:sldId id="256" r:id="rId2"/>
   </p:sldIdLst>
-  <p:sldSz cx="3095625" cy="914400"/>
+  <p:sldSz cx="3095625" cy="1008063"/>
   <p:notesSz cx="7102475" cy="10233025"/>
   <p:custDataLst>
     <p:tags r:id="rId3"/>
@@ -110,7 +110,7 @@
   <p:extLst>
     <p:ext uri="{EFAFB233-063F-42B5-8137-9DF3F51BA10A}">
       <p15:sldGuideLst xmlns:p15="http://schemas.microsoft.com/office/powerpoint/2012/main">
-        <p15:guide id="1" orient="horz" pos="288" userDrawn="1">
+        <p15:guide id="1" orient="horz" pos="318" userDrawn="1">
           <p15:clr>
             <a:srgbClr val="A4A3A4"/>
           </p15:clr>
@@ -1136,129 +1136,129 @@
             <c:numRef>
               <c:f>Tabelle1!$C$2:$C$653</c:f>
               <c:numCache>
-                <c:formatCode>0.00</c:formatCode>
+                <c:formatCode>General</c:formatCode>
                 <c:ptCount val="652"/>
-                <c:pt idx="16" formatCode="General">
+                <c:pt idx="16">
                   <c:v>-82.511962295869694</c:v>
                 </c:pt>
-                <c:pt idx="17" formatCode="General">
+                <c:pt idx="17">
                   <c:v>-87.931463279080603</c:v>
                 </c:pt>
-                <c:pt idx="18" formatCode="General">
+                <c:pt idx="18">
                   <c:v>-93.338108510097797</c:v>
                 </c:pt>
-                <c:pt idx="19" formatCode="General">
+                <c:pt idx="19">
                   <c:v>-98.744753741115005</c:v>
                 </c:pt>
-                <c:pt idx="20" formatCode="General">
+                <c:pt idx="20">
                   <c:v>-104.130882775507</c:v>
                 </c:pt>
-                <c:pt idx="21" formatCode="General">
+                <c:pt idx="21">
                   <c:v>-109.49772818160901</c:v>
                 </c:pt>
-                <c:pt idx="22" formatCode="General">
+                <c:pt idx="22">
                   <c:v>-114.836396946655</c:v>
                 </c:pt>
-                <c:pt idx="23" formatCode="General">
+                <c:pt idx="23">
                   <c:v>-120.142926331216</c:v>
                 </c:pt>
-                <c:pt idx="24" formatCode="General">
+                <c:pt idx="24">
                   <c:v>-125.41485119862401</c:v>
                 </c:pt>
-                <c:pt idx="25" formatCode="General">
+                <c:pt idx="25">
                   <c:v>-130.63931579668599</c:v>
                 </c:pt>
-                <c:pt idx="26" formatCode="General">
+                <c:pt idx="26">
                   <c:v>-135.823980569832</c:v>
                 </c:pt>
-                <c:pt idx="27" formatCode="General">
+                <c:pt idx="27">
                   <c:v>-140.940668877006</c:v>
                 </c:pt>
-                <c:pt idx="28" formatCode="General">
+                <c:pt idx="28">
                   <c:v>-146.017557359265</c:v>
                 </c:pt>
-                <c:pt idx="29" formatCode="General">
+                <c:pt idx="29">
                   <c:v>-151.01238105502401</c:v>
                 </c:pt>
-                <c:pt idx="30" formatCode="General">
+                <c:pt idx="30">
                   <c:v>-155.94046085314599</c:v>
                 </c:pt>
-                <c:pt idx="31" formatCode="General">
+                <c:pt idx="31">
                   <c:v>-160.80056418529699</c:v>
                 </c:pt>
-                <c:pt idx="32" formatCode="General">
+                <c:pt idx="32">
                   <c:v>-165.57340742318499</c:v>
                 </c:pt>
-                <c:pt idx="33" formatCode="General">
+                <c:pt idx="33">
                   <c:v>-170.25652543014201</c:v>
                 </c:pt>
-                <c:pt idx="34" formatCode="General">
+                <c:pt idx="34">
                   <c:v>-174.84595546674001</c:v>
                 </c:pt>
-                <c:pt idx="35" formatCode="General">
+                <c:pt idx="35">
                   <c:v>-179.33923239631099</c:v>
                 </c:pt>
-                <c:pt idx="36" formatCode="General">
+                <c:pt idx="36">
                   <c:v>-183.72473303499399</c:v>
                 </c:pt>
-                <c:pt idx="37" formatCode="General">
+                <c:pt idx="37">
                   <c:v>-187.99356437002399</c:v>
                 </c:pt>
-                <c:pt idx="38" formatCode="General">
+                <c:pt idx="38">
                   <c:v>-192.146958969737</c:v>
                 </c:pt>
-                <c:pt idx="39" formatCode="General">
+                <c:pt idx="39">
                   <c:v>-196.170828513602</c:v>
                 </c:pt>
-                <c:pt idx="40" formatCode="General">
+                <c:pt idx="40">
                   <c:v>-200.063940433288</c:v>
                 </c:pt>
-                <c:pt idx="41" formatCode="General">
+                <c:pt idx="41">
                   <c:v>-203.82752729712601</c:v>
                 </c:pt>
-                <c:pt idx="42" formatCode="General">
+                <c:pt idx="42">
                   <c:v>-207.433412464063</c:v>
                 </c:pt>
-                <c:pt idx="43" formatCode="General">
+                <c:pt idx="43">
                   <c:v>-210.89445168629001</c:v>
                 </c:pt>
-                <c:pt idx="44" formatCode="General">
+                <c:pt idx="44">
                   <c:v>-214.19012876718401</c:v>
                 </c:pt>
-                <c:pt idx="45" formatCode="General">
+                <c:pt idx="45">
                   <c:v>-217.32810415117501</c:v>
                 </c:pt>
-                <c:pt idx="46" formatCode="General">
+                <c:pt idx="46">
                   <c:v>-220.293056949402</c:v>
                 </c:pt>
-                <c:pt idx="47" formatCode="General">
+                <c:pt idx="47">
                   <c:v>-223.07089884133501</c:v>
                 </c:pt>
-                <c:pt idx="48" formatCode="General">
+                <c:pt idx="48">
                   <c:v>-225.66929027140699</c:v>
                 </c:pt>
-                <c:pt idx="49" formatCode="General">
+                <c:pt idx="49">
                   <c:v>-228.072910350755</c:v>
                 </c:pt>
-                <c:pt idx="50" formatCode="General">
+                <c:pt idx="50">
                   <c:v>-230.26767075884999</c:v>
                 </c:pt>
-                <c:pt idx="51" formatCode="General">
+                <c:pt idx="51">
                   <c:v>-232.26123194012399</c:v>
                 </c:pt>
-                <c:pt idx="52" formatCode="General">
+                <c:pt idx="52">
                   <c:v>-234.04470088181199</c:v>
                 </c:pt>
-                <c:pt idx="53" formatCode="General">
+                <c:pt idx="53">
                   <c:v>-235.59756138728901</c:v>
                 </c:pt>
-                <c:pt idx="54" formatCode="General">
+                <c:pt idx="54">
                   <c:v>-236.92624133265099</c:v>
                 </c:pt>
-                <c:pt idx="55" formatCode="General">
+                <c:pt idx="55">
                   <c:v>-238.01541982903601</c:v>
                 </c:pt>
-                <c:pt idx="56" formatCode="General">
+                <c:pt idx="56">
                   <c:v>-238.86632944477799</c:v>
                 </c:pt>
               </c:numCache>
@@ -1730,84 +1730,84 @@
             <c:numRef>
               <c:f>Tabelle1!$D$2:$D$653</c:f>
               <c:numCache>
-                <c:formatCode>0.00</c:formatCode>
+                <c:formatCode>General</c:formatCode>
                 <c:ptCount val="652"/>
-                <c:pt idx="57" formatCode="General">
+                <c:pt idx="57">
                   <c:v>-238.86632944477799</c:v>
                 </c:pt>
-                <c:pt idx="58" formatCode="General">
+                <c:pt idx="58">
                   <c:v>-239.470077167113</c:v>
                 </c:pt>
-                <c:pt idx="59" formatCode="General">
+                <c:pt idx="59">
                   <c:v>-239.81900255160801</c:v>
                 </c:pt>
-                <c:pt idx="60" formatCode="General">
+                <c:pt idx="60">
                   <c:v>-239.91953347436001</c:v>
                 </c:pt>
-                <c:pt idx="61" formatCode="General">
+                <c:pt idx="61">
                   <c:v>-239.779330379801</c:v>
                 </c:pt>
-                <c:pt idx="62" formatCode="General">
+                <c:pt idx="62">
                   <c:v>-239.38307237906901</c:v>
                 </c:pt>
-                <c:pt idx="63" formatCode="General">
+                <c:pt idx="63">
                   <c:v>-238.72309902773199</c:v>
                 </c:pt>
-                <c:pt idx="64" formatCode="General">
+                <c:pt idx="64">
                   <c:v>-237.83401484294299</c:v>
                 </c:pt>
-                <c:pt idx="65" formatCode="General">
+                <c:pt idx="65">
                   <c:v>-236.687643183646</c:v>
                 </c:pt>
-                <c:pt idx="66" formatCode="General">
+                <c:pt idx="66">
                   <c:v>-235.28917935760299</c:v>
                 </c:pt>
-                <c:pt idx="67" formatCode="General">
+                <c:pt idx="67">
                   <c:v>-233.65394425367799</c:v>
                 </c:pt>
-                <c:pt idx="68" formatCode="General">
+                <c:pt idx="68">
                   <c:v>-231.758956538576</c:v>
                 </c:pt>
-                <c:pt idx="69" formatCode="General">
+                <c:pt idx="69">
                   <c:v>-229.632392853353</c:v>
                 </c:pt>
-                <c:pt idx="70" formatCode="General">
+                <c:pt idx="70">
                   <c:v>-227.252504433051</c:v>
                 </c:pt>
-                <c:pt idx="71" formatCode="General">
+                <c:pt idx="71">
                   <c:v>-224.63980747429301</c:v>
                 </c:pt>
-                <c:pt idx="72" formatCode="General">
+                <c:pt idx="72">
                   <c:v>-221.780213656553</c:v>
                 </c:pt>
-                <c:pt idx="73" formatCode="General">
+                <c:pt idx="73">
                   <c:v>-218.680150855927</c:v>
                 </c:pt>
-                <c:pt idx="74" formatCode="General">
+                <c:pt idx="74">
                   <c:v>-215.352474824609</c:v>
                 </c:pt>
-                <c:pt idx="75" formatCode="General">
+                <c:pt idx="75">
                   <c:v>-211.78309724207</c:v>
                 </c:pt>
-                <c:pt idx="76" formatCode="General">
+                <c:pt idx="76">
                   <c:v>-207.98610642883901</c:v>
                 </c:pt>
-                <c:pt idx="77" formatCode="General">
+                <c:pt idx="77">
                   <c:v>-203.95260937214999</c:v>
                 </c:pt>
-                <c:pt idx="78" formatCode="General">
+                <c:pt idx="78">
                   <c:v>-199.690266516435</c:v>
                 </c:pt>
-                <c:pt idx="79" formatCode="General">
+                <c:pt idx="79">
                   <c:v>-195.21316618222099</c:v>
                 </c:pt>
-                <c:pt idx="80" formatCode="General">
+                <c:pt idx="80">
                   <c:v>-190.50475491231199</c:v>
                 </c:pt>
-                <c:pt idx="81" formatCode="General">
+                <c:pt idx="81">
                   <c:v>-185.58801404000101</c:v>
                 </c:pt>
-                <c:pt idx="82" formatCode="General">
+                <c:pt idx="82">
                   <c:v>-180.439962231994</c:v>
                 </c:pt>
               </c:numCache>
@@ -2280,129 +2280,129 @@
             <c:numRef>
               <c:f>Tabelle1!$E$2:$E$653</c:f>
               <c:numCache>
-                <c:formatCode>0.00</c:formatCode>
+                <c:formatCode>General</c:formatCode>
                 <c:ptCount val="652"/>
-                <c:pt idx="83" formatCode="General">
+                <c:pt idx="83">
                   <c:v>-180.439962231994</c:v>
                 </c:pt>
-                <c:pt idx="84" formatCode="General">
+                <c:pt idx="84">
                   <c:v>-175.08877612934899</c:v>
                 </c:pt>
-                <c:pt idx="85" formatCode="General">
+                <c:pt idx="85">
                   <c:v>-169.534455732065</c:v>
                 </c:pt>
-                <c:pt idx="86" formatCode="General">
+                <c:pt idx="86">
                   <c:v>-163.78342891623799</c:v>
                 </c:pt>
-                <c:pt idx="87" formatCode="General">
+                <c:pt idx="87">
                   <c:v>-157.84335612629999</c:v>
                 </c:pt>
-                <c:pt idx="88" formatCode="General">
+                <c:pt idx="88">
                   <c:v>-151.728325682779</c:v>
                 </c:pt>
-                <c:pt idx="89" formatCode="General">
+                <c:pt idx="89">
                   <c:v>-145.43833758567499</c:v>
                 </c:pt>
-                <c:pt idx="90" formatCode="General">
+                <c:pt idx="90">
                   <c:v>-138.97981971108501</c:v>
                 </c:pt>
-                <c:pt idx="91" formatCode="General">
+                <c:pt idx="91">
                   <c:v>-132.36809294787099</c:v>
                 </c:pt>
-                <c:pt idx="92" formatCode="General">
+                <c:pt idx="92">
                   <c:v>-125.60958517213</c:v>
                 </c:pt>
-                <c:pt idx="93" formatCode="General">
+                <c:pt idx="93">
                   <c:v>-118.711956828293</c:v>
                 </c:pt>
-                <c:pt idx="94" formatCode="General">
+                <c:pt idx="94">
                   <c:v>-111.681635792458</c:v>
                 </c:pt>
-                <c:pt idx="95" formatCode="General">
+                <c:pt idx="95">
                   <c:v>-104.512194188527</c:v>
                 </c:pt>
-                <c:pt idx="96" formatCode="General">
+                <c:pt idx="96">
                   <c:v>-97.233041225890005</c:v>
                 </c:pt>
-                <c:pt idx="97" formatCode="General">
+                <c:pt idx="97">
                   <c:v>-89.836516460116997</c:v>
                 </c:pt>
-                <c:pt idx="98" formatCode="General">
+                <c:pt idx="98">
                   <c:v>-82.322619891207495</c:v>
                 </c:pt>
-                <c:pt idx="99" formatCode="General">
+                <c:pt idx="99">
                   <c:v>-74.713100284120699</c:v>
                 </c:pt>
-                <c:pt idx="100" formatCode="General">
+                <c:pt idx="100">
                   <c:v>-67.009190207190997</c:v>
                 </c:pt>
-                <c:pt idx="101" formatCode="General">
+                <c:pt idx="101">
                   <c:v>-59.209657092084001</c:v>
                 </c:pt>
-                <c:pt idx="102" formatCode="General">
+                <c:pt idx="102">
                   <c:v>-51.3298218276623</c:v>
                 </c:pt>
-                <c:pt idx="103" formatCode="General">
+                <c:pt idx="103">
                   <c:v>-43.369684413925498</c:v>
                 </c:pt>
-                <c:pt idx="104" formatCode="General">
+                <c:pt idx="104">
                   <c:v>-35.336905295305101</c:v>
                 </c:pt>
-                <c:pt idx="105" formatCode="General">
+                <c:pt idx="105">
                   <c:v>-27.2250565957041</c:v>
                 </c:pt>
-                <c:pt idx="106" formatCode="General">
+                <c:pt idx="106">
                   <c:v>-19.0482266356507</c:v>
                 </c:pt>
-                <c:pt idx="107" formatCode="General">
+                <c:pt idx="107">
                   <c:v>-10.8140758595761</c:v>
                 </c:pt>
-                <c:pt idx="108" formatCode="General">
+                <c:pt idx="108">
                   <c:v>-2.5302647119111699</c:v>
                 </c:pt>
-                <c:pt idx="109" formatCode="General">
+                <c:pt idx="109">
                   <c:v>5.8172951278718301</c:v>
                 </c:pt>
-                <c:pt idx="110" formatCode="General">
+                <c:pt idx="110">
                   <c:v>14.1991944503825</c:v>
                 </c:pt>
-                <c:pt idx="111" formatCode="General">
+                <c:pt idx="111">
                   <c:v>22.637182020580301</c:v>
                 </c:pt>
-                <c:pt idx="112" formatCode="General">
+                <c:pt idx="112">
                   <c:v>31.109509073505698</c:v>
                 </c:pt>
-                <c:pt idx="113" formatCode="General">
+                <c:pt idx="113">
                   <c:v>39.6149430408245</c:v>
                 </c:pt>
-                <c:pt idx="114" formatCode="General">
+                <c:pt idx="114">
                   <c:v>48.159911798633601</c:v>
                 </c:pt>
-                <c:pt idx="115" formatCode="General">
+                <c:pt idx="115">
                   <c:v>56.731559594739302</c:v>
                 </c:pt>
-                <c:pt idx="116" formatCode="General">
+                <c:pt idx="116">
                   <c:v>65.327421292472906</c:v>
                 </c:pt>
-                <c:pt idx="117" formatCode="General">
+                <c:pt idx="117">
                   <c:v>73.948729460168593</c:v>
                 </c:pt>
-                <c:pt idx="118" formatCode="General">
+                <c:pt idx="118">
                   <c:v>82.593018961157995</c:v>
                 </c:pt>
-                <c:pt idx="119" formatCode="General">
+                <c:pt idx="119">
                   <c:v>91.239773598816001</c:v>
                 </c:pt>
-                <c:pt idx="120" formatCode="General">
+                <c:pt idx="120">
                   <c:v>99.910742138101796</c:v>
                 </c:pt>
-                <c:pt idx="121" formatCode="General">
+                <c:pt idx="121">
                   <c:v>108.589371121819</c:v>
                 </c:pt>
-                <c:pt idx="122" formatCode="General">
+                <c:pt idx="122">
                   <c:v>117.26923267386999</c:v>
                 </c:pt>
-                <c:pt idx="123" formatCode="General">
+                <c:pt idx="123">
                   <c:v>125.95675467035301</c:v>
                 </c:pt>
               </c:numCache>
@@ -2958,7 +2958,6 @@
           </c:extLst>
         </c:ser>
         <c:dLbls>
-          <c:dLblPos val="t"/>
           <c:showLegendKey val="0"/>
           <c:showVal val="0"/>
           <c:showCatName val="0"/>
@@ -3623,8 +3622,8 @@
         </p:nvSpPr>
         <p:spPr>
           <a:xfrm>
-            <a:off x="232172" y="284057"/>
-            <a:ext cx="2631282" cy="196004"/>
+            <a:off x="232172" y="313153"/>
+            <a:ext cx="2631282" cy="216081"/>
           </a:xfrm>
         </p:spPr>
         <p:txBody>
@@ -3651,8 +3650,8 @@
         </p:nvSpPr>
         <p:spPr>
           <a:xfrm>
-            <a:off x="464348" y="518161"/>
-            <a:ext cx="2166937" cy="233680"/>
+            <a:off x="464351" y="571237"/>
+            <a:ext cx="2166937" cy="257616"/>
           </a:xfrm>
         </p:spPr>
         <p:txBody>
@@ -3668,7 +3667,7 @@
                 </a:solidFill>
               </a:defRPr>
             </a:lvl1pPr>
-            <a:lvl2pPr marL="516362" indent="0" algn="ctr">
+            <a:lvl2pPr marL="516355" indent="0" algn="ctr">
               <a:buNone/>
               <a:defRPr>
                 <a:solidFill>
@@ -3678,7 +3677,7 @@
                 </a:solidFill>
               </a:defRPr>
             </a:lvl2pPr>
-            <a:lvl3pPr marL="1032723" indent="0" algn="ctr">
+            <a:lvl3pPr marL="1032710" indent="0" algn="ctr">
               <a:buNone/>
               <a:defRPr>
                 <a:solidFill>
@@ -3688,7 +3687,7 @@
                 </a:solidFill>
               </a:defRPr>
             </a:lvl3pPr>
-            <a:lvl4pPr marL="1549085" indent="0" algn="ctr">
+            <a:lvl4pPr marL="1549065" indent="0" algn="ctr">
               <a:buNone/>
               <a:defRPr>
                 <a:solidFill>
@@ -3698,7 +3697,7 @@
                 </a:solidFill>
               </a:defRPr>
             </a:lvl4pPr>
-            <a:lvl5pPr marL="2065447" indent="0" algn="ctr">
+            <a:lvl5pPr marL="2065420" indent="0" algn="ctr">
               <a:buNone/>
               <a:defRPr>
                 <a:solidFill>
@@ -3708,7 +3707,7 @@
                 </a:solidFill>
               </a:defRPr>
             </a:lvl5pPr>
-            <a:lvl6pPr marL="2581808" indent="0" algn="ctr">
+            <a:lvl6pPr marL="2581774" indent="0" algn="ctr">
               <a:buNone/>
               <a:defRPr>
                 <a:solidFill>
@@ -3718,7 +3717,7 @@
                 </a:solidFill>
               </a:defRPr>
             </a:lvl6pPr>
-            <a:lvl7pPr marL="3098170" indent="0" algn="ctr">
+            <a:lvl7pPr marL="3098130" indent="0" algn="ctr">
               <a:buNone/>
               <a:defRPr>
                 <a:solidFill>
@@ -3728,7 +3727,7 @@
                 </a:solidFill>
               </a:defRPr>
             </a:lvl7pPr>
-            <a:lvl8pPr marL="3614532" indent="0" algn="ctr">
+            <a:lvl8pPr marL="3614485" indent="0" algn="ctr">
               <a:buNone/>
               <a:defRPr>
                 <a:solidFill>
@@ -3738,7 +3737,7 @@
                 </a:solidFill>
               </a:defRPr>
             </a:lvl8pPr>
-            <a:lvl9pPr marL="4130893" indent="0" algn="ctr">
+            <a:lvl9pPr marL="4130839" indent="0" algn="ctr">
               <a:buNone/>
               <a:defRPr>
                 <a:solidFill>
@@ -3776,7 +3775,7 @@
             <a:fld id="{CEEF7ADF-C373-4E12-BA8C-AAEE52A088DE}" type="datetimeFigureOut">
               <a:rPr lang="de-DE" smtClean="0"/>
               <a:pPr/>
-              <a:t>18.02.2020</a:t>
+              <a:t>02.03.2020</a:t>
             </a:fld>
             <a:endParaRPr lang="de-DE"/>
           </a:p>
@@ -3943,7 +3942,7 @@
             <a:fld id="{CEEF7ADF-C373-4E12-BA8C-AAEE52A088DE}" type="datetimeFigureOut">
               <a:rPr lang="de-DE" smtClean="0"/>
               <a:pPr/>
-              <a:t>18.02.2020</a:t>
+              <a:t>02.03.2020</a:t>
             </a:fld>
             <a:endParaRPr lang="de-DE"/>
           </a:p>
@@ -4029,8 +4028,8 @@
         </p:nvSpPr>
         <p:spPr>
           <a:xfrm>
-            <a:off x="2244331" y="36619"/>
-            <a:ext cx="696516" cy="780204"/>
+            <a:off x="2244331" y="40370"/>
+            <a:ext cx="696516" cy="860121"/>
           </a:xfrm>
         </p:spPr>
         <p:txBody>
@@ -4057,8 +4056,8 @@
         </p:nvSpPr>
         <p:spPr>
           <a:xfrm>
-            <a:off x="154781" y="36619"/>
-            <a:ext cx="2037954" cy="780204"/>
+            <a:off x="154781" y="40370"/>
+            <a:ext cx="2037954" cy="860121"/>
           </a:xfrm>
         </p:spPr>
         <p:txBody>
@@ -4120,7 +4119,7 @@
             <a:fld id="{CEEF7ADF-C373-4E12-BA8C-AAEE52A088DE}" type="datetimeFigureOut">
               <a:rPr lang="de-DE" smtClean="0"/>
               <a:pPr/>
-              <a:t>18.02.2020</a:t>
+              <a:t>02.03.2020</a:t>
             </a:fld>
             <a:endParaRPr lang="de-DE"/>
           </a:p>
@@ -4287,7 +4286,7 @@
             <a:fld id="{CEEF7ADF-C373-4E12-BA8C-AAEE52A088DE}" type="datetimeFigureOut">
               <a:rPr lang="de-DE" smtClean="0"/>
               <a:pPr/>
-              <a:t>18.02.2020</a:t>
+              <a:t>02.03.2020</a:t>
             </a:fld>
             <a:endParaRPr lang="de-DE"/>
           </a:p>
@@ -4373,8 +4372,8 @@
         </p:nvSpPr>
         <p:spPr>
           <a:xfrm>
-            <a:off x="244533" y="587586"/>
-            <a:ext cx="2631282" cy="181610"/>
+            <a:off x="244533" y="647774"/>
+            <a:ext cx="2631282" cy="200213"/>
           </a:xfrm>
         </p:spPr>
         <p:txBody>
@@ -4405,8 +4404,8 @@
         </p:nvSpPr>
         <p:spPr>
           <a:xfrm>
-            <a:off x="244533" y="387563"/>
-            <a:ext cx="2631282" cy="200025"/>
+            <a:off x="244533" y="427263"/>
+            <a:ext cx="2631282" cy="220514"/>
           </a:xfrm>
         </p:spPr>
         <p:txBody>
@@ -4422,7 +4421,7 @@
                 </a:solidFill>
               </a:defRPr>
             </a:lvl1pPr>
-            <a:lvl2pPr marL="516362" indent="0">
+            <a:lvl2pPr marL="516355" indent="0">
               <a:buNone/>
               <a:defRPr sz="2033">
                 <a:solidFill>
@@ -4432,7 +4431,7 @@
                 </a:solidFill>
               </a:defRPr>
             </a:lvl2pPr>
-            <a:lvl3pPr marL="1032723" indent="0">
+            <a:lvl3pPr marL="1032710" indent="0">
               <a:buNone/>
               <a:defRPr sz="1807">
                 <a:solidFill>
@@ -4442,7 +4441,7 @@
                 </a:solidFill>
               </a:defRPr>
             </a:lvl3pPr>
-            <a:lvl4pPr marL="1549085" indent="0">
+            <a:lvl4pPr marL="1549065" indent="0">
               <a:buNone/>
               <a:defRPr sz="1581">
                 <a:solidFill>
@@ -4452,7 +4451,7 @@
                 </a:solidFill>
               </a:defRPr>
             </a:lvl4pPr>
-            <a:lvl5pPr marL="2065447" indent="0">
+            <a:lvl5pPr marL="2065420" indent="0">
               <a:buNone/>
               <a:defRPr sz="1581">
                 <a:solidFill>
@@ -4462,7 +4461,7 @@
                 </a:solidFill>
               </a:defRPr>
             </a:lvl5pPr>
-            <a:lvl6pPr marL="2581808" indent="0">
+            <a:lvl6pPr marL="2581774" indent="0">
               <a:buNone/>
               <a:defRPr sz="1581">
                 <a:solidFill>
@@ -4472,7 +4471,7 @@
                 </a:solidFill>
               </a:defRPr>
             </a:lvl6pPr>
-            <a:lvl7pPr marL="3098170" indent="0">
+            <a:lvl7pPr marL="3098130" indent="0">
               <a:buNone/>
               <a:defRPr sz="1581">
                 <a:solidFill>
@@ -4482,7 +4481,7 @@
                 </a:solidFill>
               </a:defRPr>
             </a:lvl7pPr>
-            <a:lvl8pPr marL="3614532" indent="0">
+            <a:lvl8pPr marL="3614485" indent="0">
               <a:buNone/>
               <a:defRPr sz="1581">
                 <a:solidFill>
@@ -4492,7 +4491,7 @@
                 </a:solidFill>
               </a:defRPr>
             </a:lvl8pPr>
-            <a:lvl9pPr marL="4130893" indent="0">
+            <a:lvl9pPr marL="4130839" indent="0">
               <a:buNone/>
               <a:defRPr sz="1581">
                 <a:solidFill>
@@ -4530,7 +4529,7 @@
             <a:fld id="{CEEF7ADF-C373-4E12-BA8C-AAEE52A088DE}" type="datetimeFigureOut">
               <a:rPr lang="de-DE" smtClean="0"/>
               <a:pPr/>
-              <a:t>18.02.2020</a:t>
+              <a:t>02.03.2020</a:t>
             </a:fld>
             <a:endParaRPr lang="de-DE"/>
           </a:p>
@@ -4639,8 +4638,8 @@
         </p:nvSpPr>
         <p:spPr>
           <a:xfrm>
-            <a:off x="154787" y="213363"/>
-            <a:ext cx="1367235" cy="603462"/>
+            <a:off x="154790" y="235218"/>
+            <a:ext cx="1367235" cy="665275"/>
           </a:xfrm>
         </p:spPr>
         <p:txBody>
@@ -4724,8 +4723,8 @@
         </p:nvSpPr>
         <p:spPr>
           <a:xfrm>
-            <a:off x="1573614" y="213363"/>
-            <a:ext cx="1367235" cy="603462"/>
+            <a:off x="1573617" y="235218"/>
+            <a:ext cx="1367235" cy="665275"/>
           </a:xfrm>
         </p:spPr>
         <p:txBody>
@@ -4815,7 +4814,7 @@
             <a:fld id="{CEEF7ADF-C373-4E12-BA8C-AAEE52A088DE}" type="datetimeFigureOut">
               <a:rPr lang="de-DE" smtClean="0"/>
               <a:pPr/>
-              <a:t>18.02.2020</a:t>
+              <a:t>02.03.2020</a:t>
             </a:fld>
             <a:endParaRPr lang="de-DE"/>
           </a:p>
@@ -4928,8 +4927,8 @@
         </p:nvSpPr>
         <p:spPr>
           <a:xfrm>
-            <a:off x="154781" y="204682"/>
-            <a:ext cx="1367772" cy="85302"/>
+            <a:off x="154781" y="225648"/>
+            <a:ext cx="1367772" cy="94040"/>
           </a:xfrm>
         </p:spPr>
         <p:txBody>
@@ -4939,35 +4938,35 @@
               <a:buNone/>
               <a:defRPr sz="2711" b="1"/>
             </a:lvl1pPr>
-            <a:lvl2pPr marL="516362" indent="0">
+            <a:lvl2pPr marL="516355" indent="0">
               <a:buNone/>
               <a:defRPr sz="2259" b="1"/>
             </a:lvl2pPr>
-            <a:lvl3pPr marL="1032723" indent="0">
+            <a:lvl3pPr marL="1032710" indent="0">
               <a:buNone/>
               <a:defRPr sz="2033" b="1"/>
             </a:lvl3pPr>
-            <a:lvl4pPr marL="1549085" indent="0">
+            <a:lvl4pPr marL="1549065" indent="0">
               <a:buNone/>
               <a:defRPr sz="1807" b="1"/>
             </a:lvl4pPr>
-            <a:lvl5pPr marL="2065447" indent="0">
+            <a:lvl5pPr marL="2065420" indent="0">
               <a:buNone/>
               <a:defRPr sz="1807" b="1"/>
             </a:lvl5pPr>
-            <a:lvl6pPr marL="2581808" indent="0">
+            <a:lvl6pPr marL="2581774" indent="0">
               <a:buNone/>
               <a:defRPr sz="1807" b="1"/>
             </a:lvl6pPr>
-            <a:lvl7pPr marL="3098170" indent="0">
+            <a:lvl7pPr marL="3098130" indent="0">
               <a:buNone/>
               <a:defRPr sz="1807" b="1"/>
             </a:lvl7pPr>
-            <a:lvl8pPr marL="3614532" indent="0">
+            <a:lvl8pPr marL="3614485" indent="0">
               <a:buNone/>
               <a:defRPr sz="1807" b="1"/>
             </a:lvl8pPr>
-            <a:lvl9pPr marL="4130893" indent="0">
+            <a:lvl9pPr marL="4130839" indent="0">
               <a:buNone/>
               <a:defRPr sz="1807" b="1"/>
             </a:lvl9pPr>
@@ -4993,8 +4992,8 @@
         </p:nvSpPr>
         <p:spPr>
           <a:xfrm>
-            <a:off x="154781" y="289985"/>
-            <a:ext cx="1367772" cy="526838"/>
+            <a:off x="154781" y="319688"/>
+            <a:ext cx="1367772" cy="580803"/>
           </a:xfrm>
         </p:spPr>
         <p:txBody>
@@ -5078,8 +5077,8 @@
         </p:nvSpPr>
         <p:spPr>
           <a:xfrm>
-            <a:off x="1572541" y="204682"/>
-            <a:ext cx="1368309" cy="85302"/>
+            <a:off x="1572544" y="225648"/>
+            <a:ext cx="1368309" cy="94040"/>
           </a:xfrm>
         </p:spPr>
         <p:txBody>
@@ -5089,35 +5088,35 @@
               <a:buNone/>
               <a:defRPr sz="2711" b="1"/>
             </a:lvl1pPr>
-            <a:lvl2pPr marL="516362" indent="0">
+            <a:lvl2pPr marL="516355" indent="0">
               <a:buNone/>
               <a:defRPr sz="2259" b="1"/>
             </a:lvl2pPr>
-            <a:lvl3pPr marL="1032723" indent="0">
+            <a:lvl3pPr marL="1032710" indent="0">
               <a:buNone/>
               <a:defRPr sz="2033" b="1"/>
             </a:lvl3pPr>
-            <a:lvl4pPr marL="1549085" indent="0">
+            <a:lvl4pPr marL="1549065" indent="0">
               <a:buNone/>
               <a:defRPr sz="1807" b="1"/>
             </a:lvl4pPr>
-            <a:lvl5pPr marL="2065447" indent="0">
+            <a:lvl5pPr marL="2065420" indent="0">
               <a:buNone/>
               <a:defRPr sz="1807" b="1"/>
             </a:lvl5pPr>
-            <a:lvl6pPr marL="2581808" indent="0">
+            <a:lvl6pPr marL="2581774" indent="0">
               <a:buNone/>
               <a:defRPr sz="1807" b="1"/>
             </a:lvl6pPr>
-            <a:lvl7pPr marL="3098170" indent="0">
+            <a:lvl7pPr marL="3098130" indent="0">
               <a:buNone/>
               <a:defRPr sz="1807" b="1"/>
             </a:lvl7pPr>
-            <a:lvl8pPr marL="3614532" indent="0">
+            <a:lvl8pPr marL="3614485" indent="0">
               <a:buNone/>
               <a:defRPr sz="1807" b="1"/>
             </a:lvl8pPr>
-            <a:lvl9pPr marL="4130893" indent="0">
+            <a:lvl9pPr marL="4130839" indent="0">
               <a:buNone/>
               <a:defRPr sz="1807" b="1"/>
             </a:lvl9pPr>
@@ -5143,8 +5142,8 @@
         </p:nvSpPr>
         <p:spPr>
           <a:xfrm>
-            <a:off x="1572541" y="289985"/>
-            <a:ext cx="1368309" cy="526838"/>
+            <a:off x="1572544" y="319688"/>
+            <a:ext cx="1368309" cy="580803"/>
           </a:xfrm>
         </p:spPr>
         <p:txBody>
@@ -5234,7 +5233,7 @@
             <a:fld id="{CEEF7ADF-C373-4E12-BA8C-AAEE52A088DE}" type="datetimeFigureOut">
               <a:rPr lang="de-DE" smtClean="0"/>
               <a:pPr/>
-              <a:t>18.02.2020</a:t>
+              <a:t>02.03.2020</a:t>
             </a:fld>
             <a:endParaRPr lang="de-DE"/>
           </a:p>
@@ -5349,7 +5348,7 @@
             <a:fld id="{CEEF7ADF-C373-4E12-BA8C-AAEE52A088DE}" type="datetimeFigureOut">
               <a:rPr lang="de-DE" smtClean="0"/>
               <a:pPr/>
-              <a:t>18.02.2020</a:t>
+              <a:t>02.03.2020</a:t>
             </a:fld>
             <a:endParaRPr lang="de-DE"/>
           </a:p>
@@ -5441,7 +5440,7 @@
             <a:fld id="{CEEF7ADF-C373-4E12-BA8C-AAEE52A088DE}" type="datetimeFigureOut">
               <a:rPr lang="de-DE" smtClean="0"/>
               <a:pPr/>
-              <a:t>18.02.2020</a:t>
+              <a:t>02.03.2020</a:t>
             </a:fld>
             <a:endParaRPr lang="de-DE"/>
           </a:p>
@@ -5527,8 +5526,8 @@
         </p:nvSpPr>
         <p:spPr>
           <a:xfrm>
-            <a:off x="154787" y="36409"/>
-            <a:ext cx="1018439" cy="154939"/>
+            <a:off x="154790" y="40140"/>
+            <a:ext cx="1018439" cy="170810"/>
           </a:xfrm>
         </p:spPr>
         <p:txBody>
@@ -5559,8 +5558,8 @@
         </p:nvSpPr>
         <p:spPr>
           <a:xfrm>
-            <a:off x="1210304" y="36407"/>
-            <a:ext cx="1730540" cy="780415"/>
+            <a:off x="1210304" y="40138"/>
+            <a:ext cx="1730540" cy="860354"/>
           </a:xfrm>
         </p:spPr>
         <p:txBody>
@@ -5644,8 +5643,8 @@
         </p:nvSpPr>
         <p:spPr>
           <a:xfrm>
-            <a:off x="154787" y="191349"/>
-            <a:ext cx="1018439" cy="625474"/>
+            <a:off x="154790" y="210949"/>
+            <a:ext cx="1018439" cy="689542"/>
           </a:xfrm>
         </p:spPr>
         <p:txBody>
@@ -5655,35 +5654,35 @@
               <a:buNone/>
               <a:defRPr sz="1581"/>
             </a:lvl1pPr>
-            <a:lvl2pPr marL="516362" indent="0">
+            <a:lvl2pPr marL="516355" indent="0">
               <a:buNone/>
               <a:defRPr sz="1355"/>
             </a:lvl2pPr>
-            <a:lvl3pPr marL="1032723" indent="0">
+            <a:lvl3pPr marL="1032710" indent="0">
               <a:buNone/>
               <a:defRPr sz="1129"/>
             </a:lvl3pPr>
-            <a:lvl4pPr marL="1549085" indent="0">
+            <a:lvl4pPr marL="1549065" indent="0">
               <a:buNone/>
               <a:defRPr sz="1016"/>
             </a:lvl4pPr>
-            <a:lvl5pPr marL="2065447" indent="0">
+            <a:lvl5pPr marL="2065420" indent="0">
               <a:buNone/>
               <a:defRPr sz="1016"/>
             </a:lvl5pPr>
-            <a:lvl6pPr marL="2581808" indent="0">
+            <a:lvl6pPr marL="2581774" indent="0">
               <a:buNone/>
               <a:defRPr sz="1016"/>
             </a:lvl6pPr>
-            <a:lvl7pPr marL="3098170" indent="0">
+            <a:lvl7pPr marL="3098130" indent="0">
               <a:buNone/>
               <a:defRPr sz="1016"/>
             </a:lvl7pPr>
-            <a:lvl8pPr marL="3614532" indent="0">
+            <a:lvl8pPr marL="3614485" indent="0">
               <a:buNone/>
               <a:defRPr sz="1016"/>
             </a:lvl8pPr>
-            <a:lvl9pPr marL="4130893" indent="0">
+            <a:lvl9pPr marL="4130839" indent="0">
               <a:buNone/>
               <a:defRPr sz="1016"/>
             </a:lvl9pPr>
@@ -5715,7 +5714,7 @@
             <a:fld id="{CEEF7ADF-C373-4E12-BA8C-AAEE52A088DE}" type="datetimeFigureOut">
               <a:rPr lang="de-DE" smtClean="0"/>
               <a:pPr/>
-              <a:t>18.02.2020</a:t>
+              <a:t>02.03.2020</a:t>
             </a:fld>
             <a:endParaRPr lang="de-DE"/>
           </a:p>
@@ -5801,8 +5800,8 @@
         </p:nvSpPr>
         <p:spPr>
           <a:xfrm>
-            <a:off x="606768" y="640082"/>
-            <a:ext cx="1857375" cy="75564"/>
+            <a:off x="606771" y="705646"/>
+            <a:ext cx="1857375" cy="83304"/>
           </a:xfrm>
         </p:spPr>
         <p:txBody>
@@ -5833,8 +5832,8 @@
         </p:nvSpPr>
         <p:spPr>
           <a:xfrm>
-            <a:off x="606768" y="81706"/>
-            <a:ext cx="1857375" cy="548640"/>
+            <a:off x="606771" y="90075"/>
+            <a:ext cx="1857375" cy="604838"/>
           </a:xfrm>
         </p:spPr>
         <p:txBody>
@@ -5844,35 +5843,35 @@
               <a:buNone/>
               <a:defRPr sz="3614"/>
             </a:lvl1pPr>
-            <a:lvl2pPr marL="516362" indent="0">
+            <a:lvl2pPr marL="516355" indent="0">
               <a:buNone/>
               <a:defRPr sz="3162"/>
             </a:lvl2pPr>
-            <a:lvl3pPr marL="1032723" indent="0">
+            <a:lvl3pPr marL="1032710" indent="0">
               <a:buNone/>
               <a:defRPr sz="2711"/>
             </a:lvl3pPr>
-            <a:lvl4pPr marL="1549085" indent="0">
+            <a:lvl4pPr marL="1549065" indent="0">
               <a:buNone/>
               <a:defRPr sz="2259"/>
             </a:lvl4pPr>
-            <a:lvl5pPr marL="2065447" indent="0">
+            <a:lvl5pPr marL="2065420" indent="0">
               <a:buNone/>
               <a:defRPr sz="2259"/>
             </a:lvl5pPr>
-            <a:lvl6pPr marL="2581808" indent="0">
+            <a:lvl6pPr marL="2581774" indent="0">
               <a:buNone/>
               <a:defRPr sz="2259"/>
             </a:lvl6pPr>
-            <a:lvl7pPr marL="3098170" indent="0">
+            <a:lvl7pPr marL="3098130" indent="0">
               <a:buNone/>
               <a:defRPr sz="2259"/>
             </a:lvl7pPr>
-            <a:lvl8pPr marL="3614532" indent="0">
+            <a:lvl8pPr marL="3614485" indent="0">
               <a:buNone/>
               <a:defRPr sz="2259"/>
             </a:lvl8pPr>
-            <a:lvl9pPr marL="4130893" indent="0">
+            <a:lvl9pPr marL="4130839" indent="0">
               <a:buNone/>
               <a:defRPr sz="2259"/>
             </a:lvl9pPr>
@@ -5898,8 +5897,8 @@
         </p:nvSpPr>
         <p:spPr>
           <a:xfrm>
-            <a:off x="606768" y="715646"/>
-            <a:ext cx="1857375" cy="107316"/>
+            <a:off x="606771" y="788951"/>
+            <a:ext cx="1857375" cy="118308"/>
           </a:xfrm>
         </p:spPr>
         <p:txBody>
@@ -5909,35 +5908,35 @@
               <a:buNone/>
               <a:defRPr sz="1581"/>
             </a:lvl1pPr>
-            <a:lvl2pPr marL="516362" indent="0">
+            <a:lvl2pPr marL="516355" indent="0">
               <a:buNone/>
               <a:defRPr sz="1355"/>
             </a:lvl2pPr>
-            <a:lvl3pPr marL="1032723" indent="0">
+            <a:lvl3pPr marL="1032710" indent="0">
               <a:buNone/>
               <a:defRPr sz="1129"/>
             </a:lvl3pPr>
-            <a:lvl4pPr marL="1549085" indent="0">
+            <a:lvl4pPr marL="1549065" indent="0">
               <a:buNone/>
               <a:defRPr sz="1016"/>
             </a:lvl4pPr>
-            <a:lvl5pPr marL="2065447" indent="0">
+            <a:lvl5pPr marL="2065420" indent="0">
               <a:buNone/>
               <a:defRPr sz="1016"/>
             </a:lvl5pPr>
-            <a:lvl6pPr marL="2581808" indent="0">
+            <a:lvl6pPr marL="2581774" indent="0">
               <a:buNone/>
               <a:defRPr sz="1016"/>
             </a:lvl6pPr>
-            <a:lvl7pPr marL="3098170" indent="0">
+            <a:lvl7pPr marL="3098130" indent="0">
               <a:buNone/>
               <a:defRPr sz="1016"/>
             </a:lvl7pPr>
-            <a:lvl8pPr marL="3614532" indent="0">
+            <a:lvl8pPr marL="3614485" indent="0">
               <a:buNone/>
               <a:defRPr sz="1016"/>
             </a:lvl8pPr>
-            <a:lvl9pPr marL="4130893" indent="0">
+            <a:lvl9pPr marL="4130839" indent="0">
               <a:buNone/>
               <a:defRPr sz="1016"/>
             </a:lvl9pPr>
@@ -5969,7 +5968,7 @@
             <a:fld id="{CEEF7ADF-C373-4E12-BA8C-AAEE52A088DE}" type="datetimeFigureOut">
               <a:rPr lang="de-DE" smtClean="0"/>
               <a:pPr/>
-              <a:t>18.02.2020</a:t>
+              <a:t>02.03.2020</a:t>
             </a:fld>
             <a:endParaRPr lang="de-DE"/>
           </a:p>
@@ -6066,14 +6065,14 @@
           </p:nvPr>
         </p:nvGraphicFramePr>
         <p:xfrm>
-          <a:off x="537" y="214"/>
-          <a:ext cx="538" cy="212"/>
+          <a:off x="537" y="236"/>
+          <a:ext cx="538" cy="234"/>
         </p:xfrm>
         <a:graphic>
           <a:graphicData uri="http://schemas.openxmlformats.org/presentationml/2006/ole">
             <mc:AlternateContent xmlns:mc="http://schemas.openxmlformats.org/markup-compatibility/2006">
               <mc:Choice xmlns:v="urn:schemas-microsoft-com:vml" Requires="v">
-                <p:oleObj spid="_x0000_s1051" name="think-cell Folie" r:id="rId16" imgW="384" imgH="384" progId="TCLayout.ActiveDocument.1">
+                <p:oleObj spid="_x0000_s1053" name="think-cell Folie" r:id="rId16" imgW="384" imgH="384" progId="TCLayout.ActiveDocument.1">
                   <p:embed/>
                 </p:oleObj>
               </mc:Choice>
@@ -6094,8 +6093,8 @@
                     </p:blipFill>
                     <p:spPr>
                       <a:xfrm>
-                        <a:off x="537" y="214"/>
-                        <a:ext cx="538" cy="212"/>
+                        <a:off x="537" y="236"/>
+                        <a:ext cx="538" cy="234"/>
                       </a:xfrm>
                       <a:prstGeom prst="rect">
                         <a:avLst/>
@@ -6120,8 +6119,8 @@
         </p:nvSpPr>
         <p:spPr>
           <a:xfrm>
-            <a:off x="3" y="1"/>
-            <a:ext cx="53744" cy="21167"/>
+            <a:off x="3" y="3"/>
+            <a:ext cx="53744" cy="23335"/>
           </a:xfrm>
           <a:prstGeom prst="rect">
             <a:avLst/>
@@ -6174,8 +6173,8 @@
         </p:nvSpPr>
         <p:spPr>
           <a:xfrm>
-            <a:off x="154785" y="36620"/>
-            <a:ext cx="2786063" cy="152400"/>
+            <a:off x="154788" y="40372"/>
+            <a:ext cx="2786063" cy="168011"/>
           </a:xfrm>
           <a:prstGeom prst="rect">
             <a:avLst/>
@@ -6207,8 +6206,8 @@
         </p:nvSpPr>
         <p:spPr>
           <a:xfrm>
-            <a:off x="154785" y="213363"/>
-            <a:ext cx="2786063" cy="603462"/>
+            <a:off x="154788" y="235218"/>
+            <a:ext cx="2786063" cy="665275"/>
           </a:xfrm>
           <a:prstGeom prst="rect">
             <a:avLst/>
@@ -6269,8 +6268,8 @@
         </p:nvSpPr>
         <p:spPr>
           <a:xfrm>
-            <a:off x="154784" y="847514"/>
-            <a:ext cx="722312" cy="48684"/>
+            <a:off x="154784" y="934327"/>
+            <a:ext cx="722312" cy="53671"/>
           </a:xfrm>
           <a:prstGeom prst="rect">
             <a:avLst/>
@@ -6293,7 +6292,7 @@
             <a:fld id="{CEEF7ADF-C373-4E12-BA8C-AAEE52A088DE}" type="datetimeFigureOut">
               <a:rPr lang="de-DE" smtClean="0"/>
               <a:pPr/>
-              <a:t>18.02.2020</a:t>
+              <a:t>02.03.2020</a:t>
             </a:fld>
             <a:endParaRPr lang="de-DE"/>
           </a:p>
@@ -6311,8 +6310,8 @@
         </p:nvSpPr>
         <p:spPr>
           <a:xfrm>
-            <a:off x="1057676" y="847514"/>
-            <a:ext cx="980281" cy="48684"/>
+            <a:off x="1057679" y="934327"/>
+            <a:ext cx="980281" cy="53671"/>
           </a:xfrm>
           <a:prstGeom prst="rect">
             <a:avLst/>
@@ -6348,8 +6347,8 @@
         </p:nvSpPr>
         <p:spPr>
           <a:xfrm>
-            <a:off x="2218535" y="847514"/>
-            <a:ext cx="722312" cy="48684"/>
+            <a:off x="2218535" y="934327"/>
+            <a:ext cx="722312" cy="53671"/>
           </a:xfrm>
           <a:prstGeom prst="rect">
             <a:avLst/>
@@ -6396,7 +6395,7 @@
   </p:sldLayoutIdLst>
   <p:txStyles>
     <p:titleStyle>
-      <a:lvl1pPr algn="ctr" defTabSz="1032723" rtl="0" eaLnBrk="1" latinLnBrk="0" hangingPunct="1">
+      <a:lvl1pPr algn="ctr" defTabSz="1032710" rtl="0" eaLnBrk="1" latinLnBrk="0" hangingPunct="1">
         <a:spcBef>
           <a:spcPct val="0"/>
         </a:spcBef>
@@ -6412,7 +6411,7 @@
       </a:lvl1pPr>
     </p:titleStyle>
     <p:bodyStyle>
-      <a:lvl1pPr marL="387271" indent="-387271" algn="l" defTabSz="1032723" rtl="0" eaLnBrk="1" latinLnBrk="0" hangingPunct="1">
+      <a:lvl1pPr marL="387266" indent="-387266" algn="l" defTabSz="1032710" rtl="0" eaLnBrk="1" latinLnBrk="0" hangingPunct="1">
         <a:spcBef>
           <a:spcPct val="20000"/>
         </a:spcBef>
@@ -6427,7 +6426,7 @@
           <a:cs typeface="Arial" pitchFamily="34" charset="0"/>
         </a:defRPr>
       </a:lvl1pPr>
-      <a:lvl2pPr marL="839088" indent="-322726" algn="l" defTabSz="1032723" rtl="0" eaLnBrk="1" latinLnBrk="0" hangingPunct="1">
+      <a:lvl2pPr marL="839077" indent="-322722" algn="l" defTabSz="1032710" rtl="0" eaLnBrk="1" latinLnBrk="0" hangingPunct="1">
         <a:spcBef>
           <a:spcPct val="20000"/>
         </a:spcBef>
@@ -6442,7 +6441,7 @@
           <a:cs typeface="Arial" pitchFamily="34" charset="0"/>
         </a:defRPr>
       </a:lvl2pPr>
-      <a:lvl3pPr marL="1290904" indent="-258181" algn="l" defTabSz="1032723" rtl="0" eaLnBrk="1" latinLnBrk="0" hangingPunct="1">
+      <a:lvl3pPr marL="1290888" indent="-258178" algn="l" defTabSz="1032710" rtl="0" eaLnBrk="1" latinLnBrk="0" hangingPunct="1">
         <a:spcBef>
           <a:spcPct val="20000"/>
         </a:spcBef>
@@ -6457,7 +6456,7 @@
           <a:cs typeface="Arial" pitchFamily="34" charset="0"/>
         </a:defRPr>
       </a:lvl3pPr>
-      <a:lvl4pPr marL="1807266" indent="-258181" algn="l" defTabSz="1032723" rtl="0" eaLnBrk="1" latinLnBrk="0" hangingPunct="1">
+      <a:lvl4pPr marL="1807243" indent="-258178" algn="l" defTabSz="1032710" rtl="0" eaLnBrk="1" latinLnBrk="0" hangingPunct="1">
         <a:spcBef>
           <a:spcPct val="20000"/>
         </a:spcBef>
@@ -6472,7 +6471,7 @@
           <a:cs typeface="Arial" pitchFamily="34" charset="0"/>
         </a:defRPr>
       </a:lvl4pPr>
-      <a:lvl5pPr marL="2323628" indent="-258181" algn="l" defTabSz="1032723" rtl="0" eaLnBrk="1" latinLnBrk="0" hangingPunct="1">
+      <a:lvl5pPr marL="2323598" indent="-258178" algn="l" defTabSz="1032710" rtl="0" eaLnBrk="1" latinLnBrk="0" hangingPunct="1">
         <a:spcBef>
           <a:spcPct val="20000"/>
         </a:spcBef>
@@ -6487,7 +6486,7 @@
           <a:cs typeface="Arial" pitchFamily="34" charset="0"/>
         </a:defRPr>
       </a:lvl5pPr>
-      <a:lvl6pPr marL="2839989" indent="-258181" algn="l" defTabSz="1032723" rtl="0" eaLnBrk="1" latinLnBrk="0" hangingPunct="1">
+      <a:lvl6pPr marL="2839952" indent="-258178" algn="l" defTabSz="1032710" rtl="0" eaLnBrk="1" latinLnBrk="0" hangingPunct="1">
         <a:spcBef>
           <a:spcPct val="20000"/>
         </a:spcBef>
@@ -6502,7 +6501,7 @@
           <a:cs typeface="+mn-cs"/>
         </a:defRPr>
       </a:lvl6pPr>
-      <a:lvl7pPr marL="3356351" indent="-258181" algn="l" defTabSz="1032723" rtl="0" eaLnBrk="1" latinLnBrk="0" hangingPunct="1">
+      <a:lvl7pPr marL="3356307" indent="-258178" algn="l" defTabSz="1032710" rtl="0" eaLnBrk="1" latinLnBrk="0" hangingPunct="1">
         <a:spcBef>
           <a:spcPct val="20000"/>
         </a:spcBef>
@@ -6517,7 +6516,7 @@
           <a:cs typeface="+mn-cs"/>
         </a:defRPr>
       </a:lvl7pPr>
-      <a:lvl8pPr marL="3872713" indent="-258181" algn="l" defTabSz="1032723" rtl="0" eaLnBrk="1" latinLnBrk="0" hangingPunct="1">
+      <a:lvl8pPr marL="3872663" indent="-258178" algn="l" defTabSz="1032710" rtl="0" eaLnBrk="1" latinLnBrk="0" hangingPunct="1">
         <a:spcBef>
           <a:spcPct val="20000"/>
         </a:spcBef>
@@ -6532,7 +6531,7 @@
           <a:cs typeface="+mn-cs"/>
         </a:defRPr>
       </a:lvl8pPr>
-      <a:lvl9pPr marL="4389074" indent="-258181" algn="l" defTabSz="1032723" rtl="0" eaLnBrk="1" latinLnBrk="0" hangingPunct="1">
+      <a:lvl9pPr marL="4389017" indent="-258178" algn="l" defTabSz="1032710" rtl="0" eaLnBrk="1" latinLnBrk="0" hangingPunct="1">
         <a:spcBef>
           <a:spcPct val="20000"/>
         </a:spcBef>
@@ -6552,7 +6551,7 @@
       <a:defPPr>
         <a:defRPr lang="de-DE"/>
       </a:defPPr>
-      <a:lvl1pPr marL="0" algn="l" defTabSz="1032723" rtl="0" eaLnBrk="1" latinLnBrk="0" hangingPunct="1">
+      <a:lvl1pPr marL="0" algn="l" defTabSz="1032710" rtl="0" eaLnBrk="1" latinLnBrk="0" hangingPunct="1">
         <a:defRPr sz="2033" kern="1200">
           <a:solidFill>
             <a:schemeClr val="tx1"/>
@@ -6562,7 +6561,7 @@
           <a:cs typeface="+mn-cs"/>
         </a:defRPr>
       </a:lvl1pPr>
-      <a:lvl2pPr marL="516362" algn="l" defTabSz="1032723" rtl="0" eaLnBrk="1" latinLnBrk="0" hangingPunct="1">
+      <a:lvl2pPr marL="516355" algn="l" defTabSz="1032710" rtl="0" eaLnBrk="1" latinLnBrk="0" hangingPunct="1">
         <a:defRPr sz="2033" kern="1200">
           <a:solidFill>
             <a:schemeClr val="tx1"/>
@@ -6572,7 +6571,7 @@
           <a:cs typeface="+mn-cs"/>
         </a:defRPr>
       </a:lvl2pPr>
-      <a:lvl3pPr marL="1032723" algn="l" defTabSz="1032723" rtl="0" eaLnBrk="1" latinLnBrk="0" hangingPunct="1">
+      <a:lvl3pPr marL="1032710" algn="l" defTabSz="1032710" rtl="0" eaLnBrk="1" latinLnBrk="0" hangingPunct="1">
         <a:defRPr sz="2033" kern="1200">
           <a:solidFill>
             <a:schemeClr val="tx1"/>
@@ -6582,7 +6581,7 @@
           <a:cs typeface="+mn-cs"/>
         </a:defRPr>
       </a:lvl3pPr>
-      <a:lvl4pPr marL="1549085" algn="l" defTabSz="1032723" rtl="0" eaLnBrk="1" latinLnBrk="0" hangingPunct="1">
+      <a:lvl4pPr marL="1549065" algn="l" defTabSz="1032710" rtl="0" eaLnBrk="1" latinLnBrk="0" hangingPunct="1">
         <a:defRPr sz="2033" kern="1200">
           <a:solidFill>
             <a:schemeClr val="tx1"/>
@@ -6592,7 +6591,7 @@
           <a:cs typeface="+mn-cs"/>
         </a:defRPr>
       </a:lvl4pPr>
-      <a:lvl5pPr marL="2065447" algn="l" defTabSz="1032723" rtl="0" eaLnBrk="1" latinLnBrk="0" hangingPunct="1">
+      <a:lvl5pPr marL="2065420" algn="l" defTabSz="1032710" rtl="0" eaLnBrk="1" latinLnBrk="0" hangingPunct="1">
         <a:defRPr sz="2033" kern="1200">
           <a:solidFill>
             <a:schemeClr val="tx1"/>
@@ -6602,7 +6601,7 @@
           <a:cs typeface="+mn-cs"/>
         </a:defRPr>
       </a:lvl5pPr>
-      <a:lvl6pPr marL="2581808" algn="l" defTabSz="1032723" rtl="0" eaLnBrk="1" latinLnBrk="0" hangingPunct="1">
+      <a:lvl6pPr marL="2581774" algn="l" defTabSz="1032710" rtl="0" eaLnBrk="1" latinLnBrk="0" hangingPunct="1">
         <a:defRPr sz="2033" kern="1200">
           <a:solidFill>
             <a:schemeClr val="tx1"/>
@@ -6612,7 +6611,7 @@
           <a:cs typeface="+mn-cs"/>
         </a:defRPr>
       </a:lvl6pPr>
-      <a:lvl7pPr marL="3098170" algn="l" defTabSz="1032723" rtl="0" eaLnBrk="1" latinLnBrk="0" hangingPunct="1">
+      <a:lvl7pPr marL="3098130" algn="l" defTabSz="1032710" rtl="0" eaLnBrk="1" latinLnBrk="0" hangingPunct="1">
         <a:defRPr sz="2033" kern="1200">
           <a:solidFill>
             <a:schemeClr val="tx1"/>
@@ -6622,7 +6621,7 @@
           <a:cs typeface="+mn-cs"/>
         </a:defRPr>
       </a:lvl7pPr>
-      <a:lvl8pPr marL="3614532" algn="l" defTabSz="1032723" rtl="0" eaLnBrk="1" latinLnBrk="0" hangingPunct="1">
+      <a:lvl8pPr marL="3614485" algn="l" defTabSz="1032710" rtl="0" eaLnBrk="1" latinLnBrk="0" hangingPunct="1">
         <a:defRPr sz="2033" kern="1200">
           <a:solidFill>
             <a:schemeClr val="tx1"/>
@@ -6632,7 +6631,7 @@
           <a:cs typeface="+mn-cs"/>
         </a:defRPr>
       </a:lvl8pPr>
-      <a:lvl9pPr marL="4130893" algn="l" defTabSz="1032723" rtl="0" eaLnBrk="1" latinLnBrk="0" hangingPunct="1">
+      <a:lvl9pPr marL="4130839" algn="l" defTabSz="1032710" rtl="0" eaLnBrk="1" latinLnBrk="0" hangingPunct="1">
         <a:defRPr sz="2033" kern="1200">
           <a:solidFill>
             <a:schemeClr val="tx1"/>
@@ -6689,7 +6688,7 @@
           <a:graphicData uri="http://schemas.openxmlformats.org/presentationml/2006/ole">
             <mc:AlternateContent xmlns:mc="http://schemas.openxmlformats.org/markup-compatibility/2006">
               <mc:Choice xmlns:v="urn:schemas-microsoft-com:vml" Requires="v">
-                <p:oleObj spid="_x0000_s2078" name="think-cell Folie" r:id="rId4" imgW="384" imgH="384" progId="TCLayout.ActiveDocument.1">
+                <p:oleObj spid="_x0000_s2080" name="think-cell Folie" r:id="rId4" imgW="384" imgH="384" progId="TCLayout.ActiveDocument.1">
                   <p:embed/>
                 </p:oleObj>
               </mc:Choice>
@@ -6740,7 +6739,7 @@
         </p:nvCxnSpPr>
         <p:spPr>
           <a:xfrm flipV="1">
-            <a:off x="50679" y="225244"/>
+            <a:off x="50679" y="143991"/>
             <a:ext cx="0" cy="628142"/>
           </a:xfrm>
           <a:prstGeom prst="straightConnector1">
@@ -6773,7 +6772,7 @@
         </p:nvCxnSpPr>
         <p:spPr>
           <a:xfrm>
-            <a:off x="50682" y="853386"/>
+            <a:off x="50683" y="772133"/>
             <a:ext cx="1140891" cy="0"/>
           </a:xfrm>
           <a:prstGeom prst="straightConnector1">
@@ -6806,7 +6805,7 @@
             </p:nvSpPr>
             <p:spPr>
               <a:xfrm>
-                <a:off x="-75471" y="9220"/>
+                <a:off x="-75471" y="-72033"/>
                 <a:ext cx="471155" cy="215444"/>
               </a:xfrm>
               <a:prstGeom prst="rect">
@@ -6823,7 +6822,7 @@
               </a:bodyPr>
               <a:lstStyle/>
               <a:p>
-                <a:pPr defTabSz="1016630"/>
+                <a:pPr defTabSz="1016617"/>
                 <a14:m>
                   <m:oMath xmlns:m="http://schemas.openxmlformats.org/officeDocument/2006/math">
                     <m:r>
@@ -6848,13 +6847,6 @@
                   </a:rPr>
                   <a:t>[1/m]</a:t>
                 </a:r>
-                <a:endParaRPr lang="de-DE" sz="800" kern="0" dirty="0">
-                  <a:solidFill>
-                    <a:srgbClr val="171717"/>
-                  </a:solidFill>
-                  <a:latin typeface="Times New Roman" panose="02020603050405020304" pitchFamily="18" charset="0"/>
-                  <a:cs typeface="Times New Roman" panose="02020603050405020304" pitchFamily="18" charset="0"/>
-                </a:endParaRPr>
               </a:p>
             </p:txBody>
           </p:sp>
@@ -6876,7 +6868,7 @@
             </p:nvSpPr>
             <p:spPr>
               <a:xfrm>
-                <a:off x="-75471" y="9220"/>
+                <a:off x="-75471" y="-72033"/>
                 <a:ext cx="471155" cy="215444"/>
               </a:xfrm>
               <a:prstGeom prst="rect">
@@ -6885,7 +6877,7 @@
               <a:blipFill>
                 <a:blip r:embed="rId6"/>
                 <a:stretch>
-                  <a:fillRect b="-8571"/>
+                  <a:fillRect b="-5556"/>
                 </a:stretch>
               </a:blipFill>
               <a:ln w="6350">
@@ -6923,7 +6915,7 @@
             </p:nvSpPr>
             <p:spPr>
               <a:xfrm>
-                <a:off x="1115717" y="745664"/>
+                <a:off x="1115717" y="664412"/>
                 <a:ext cx="419346" cy="215444"/>
               </a:xfrm>
               <a:prstGeom prst="rect">
@@ -6940,7 +6932,7 @@
               </a:bodyPr>
               <a:lstStyle/>
               <a:p>
-                <a:pPr defTabSz="1016630"/>
+                <a:pPr defTabSz="1016617"/>
                 <a14:m>
                   <m:oMathPara xmlns:m="http://schemas.openxmlformats.org/officeDocument/2006/math">
                     <m:oMathParaPr>
@@ -7018,7 +7010,7 @@
             </p:nvSpPr>
             <p:spPr>
               <a:xfrm>
-                <a:off x="1115717" y="745664"/>
+                <a:off x="1115717" y="664412"/>
                 <a:ext cx="419346" cy="215444"/>
               </a:xfrm>
               <a:prstGeom prst="rect">
@@ -7027,7 +7019,7 @@
               <a:blipFill>
                 <a:blip r:embed="rId7"/>
                 <a:stretch>
-                  <a:fillRect/>
+                  <a:fillRect b="-2857"/>
                 </a:stretch>
               </a:blipFill>
               <a:ln w="6350">
@@ -7057,7 +7049,7 @@
         </p:nvCxnSpPr>
         <p:spPr>
           <a:xfrm>
-            <a:off x="50682" y="853386"/>
+            <a:off x="50683" y="772133"/>
             <a:ext cx="272997" cy="0"/>
           </a:xfrm>
           <a:prstGeom prst="line">
@@ -7093,7 +7085,7 @@
         </p:nvCxnSpPr>
         <p:spPr>
           <a:xfrm>
-            <a:off x="899740" y="853386"/>
+            <a:off x="899741" y="772133"/>
             <a:ext cx="216024" cy="0"/>
           </a:xfrm>
           <a:prstGeom prst="line">
@@ -7129,7 +7121,7 @@
         </p:nvCxnSpPr>
         <p:spPr>
           <a:xfrm flipV="1">
-            <a:off x="323679" y="427776"/>
+            <a:off x="323681" y="346525"/>
             <a:ext cx="175289" cy="422271"/>
           </a:xfrm>
           <a:prstGeom prst="line">
@@ -7165,7 +7157,7 @@
         </p:nvCxnSpPr>
         <p:spPr>
           <a:xfrm flipH="1" flipV="1">
-            <a:off x="724408" y="427776"/>
+            <a:off x="724410" y="346525"/>
             <a:ext cx="175289" cy="422271"/>
           </a:xfrm>
           <a:prstGeom prst="line">
@@ -7201,7 +7193,7 @@
         </p:nvCxnSpPr>
         <p:spPr>
           <a:xfrm>
-            <a:off x="498965" y="427773"/>
+            <a:off x="498965" y="346520"/>
             <a:ext cx="225440" cy="0"/>
           </a:xfrm>
           <a:prstGeom prst="line">
@@ -7244,7 +7236,7 @@
         </p:nvCxnSpPr>
         <p:spPr>
           <a:xfrm flipV="1">
-            <a:off x="1686161" y="225246"/>
+            <a:off x="1686161" y="143995"/>
             <a:ext cx="0" cy="628291"/>
           </a:xfrm>
           <a:prstGeom prst="straightConnector1">
@@ -7277,7 +7269,7 @@
         </p:nvCxnSpPr>
         <p:spPr>
           <a:xfrm>
-            <a:off x="1686164" y="853534"/>
+            <a:off x="1686166" y="772281"/>
             <a:ext cx="1140891" cy="0"/>
           </a:xfrm>
           <a:prstGeom prst="straightConnector1">
@@ -7310,7 +7302,7 @@
             </p:nvSpPr>
             <p:spPr>
               <a:xfrm>
-                <a:off x="1560011" y="9368"/>
+                <a:off x="1560011" y="-71885"/>
                 <a:ext cx="391582" cy="215444"/>
               </a:xfrm>
               <a:prstGeom prst="rect">
@@ -7327,7 +7319,7 @@
               </a:bodyPr>
               <a:lstStyle/>
               <a:p>
-                <a:pPr defTabSz="1016630"/>
+                <a:pPr defTabSz="1016617"/>
                 <a14:m>
                   <m:oMath xmlns:m="http://schemas.openxmlformats.org/officeDocument/2006/math">
                     <m:r>
@@ -7352,13 +7344,6 @@
                   </a:rPr>
                   <a:t>[m]</a:t>
                 </a:r>
-                <a:endParaRPr lang="de-DE" sz="800" kern="0" dirty="0">
-                  <a:solidFill>
-                    <a:srgbClr val="171717"/>
-                  </a:solidFill>
-                  <a:latin typeface="Times New Roman" panose="02020603050405020304" pitchFamily="18" charset="0"/>
-                  <a:cs typeface="Times New Roman" panose="02020603050405020304" pitchFamily="18" charset="0"/>
-                </a:endParaRPr>
               </a:p>
             </p:txBody>
           </p:sp>
@@ -7380,7 +7365,7 @@
             </p:nvSpPr>
             <p:spPr>
               <a:xfrm>
-                <a:off x="1560011" y="9368"/>
+                <a:off x="1560011" y="-71885"/>
                 <a:ext cx="391582" cy="215444"/>
               </a:xfrm>
               <a:prstGeom prst="rect">
@@ -7389,7 +7374,7 @@
               <a:blipFill>
                 <a:blip r:embed="rId8"/>
                 <a:stretch>
-                  <a:fillRect b="-8571"/>
+                  <a:fillRect b="-5556"/>
                 </a:stretch>
               </a:blipFill>
               <a:ln w="6350">
@@ -7427,7 +7412,7 @@
             </p:nvSpPr>
             <p:spPr>
               <a:xfrm>
-                <a:off x="2751199" y="745812"/>
+                <a:off x="2751199" y="664559"/>
                 <a:ext cx="426720" cy="215444"/>
               </a:xfrm>
               <a:prstGeom prst="rect">
@@ -7444,7 +7429,7 @@
               </a:bodyPr>
               <a:lstStyle/>
               <a:p>
-                <a:pPr defTabSz="1016630"/>
+                <a:pPr defTabSz="1016617"/>
                 <a14:m>
                   <m:oMathPara xmlns:m="http://schemas.openxmlformats.org/officeDocument/2006/math">
                     <m:oMathParaPr>
@@ -7522,7 +7507,7 @@
             </p:nvSpPr>
             <p:spPr>
               <a:xfrm>
-                <a:off x="2751199" y="745812"/>
+                <a:off x="2751199" y="664559"/>
                 <a:ext cx="426720" cy="215444"/>
               </a:xfrm>
               <a:prstGeom prst="rect">
@@ -7531,7 +7516,7 @@
               <a:blipFill>
                 <a:blip r:embed="rId9"/>
                 <a:stretch>
-                  <a:fillRect/>
+                  <a:fillRect b="-2857"/>
                 </a:stretch>
               </a:blipFill>
               <a:ln w="6350">
@@ -7562,13 +7547,13 @@
           <p:nvPr>
             <p:extLst>
               <p:ext uri="{D42A27DB-BD31-4B8C-83A1-F6EECF244321}">
-                <p14:modId xmlns:p14="http://schemas.microsoft.com/office/powerpoint/2010/main" val="843154541"/>
+                <p14:modId xmlns:p14="http://schemas.microsoft.com/office/powerpoint/2010/main" val="2846199401"/>
               </p:ext>
             </p:extLst>
           </p:nvPr>
         </p:nvGraphicFramePr>
         <p:xfrm>
-          <a:off x="1715103" y="313184"/>
+          <a:off x="1715105" y="231933"/>
           <a:ext cx="1111951" cy="486491"/>
         </p:xfrm>
         <a:graphic>
@@ -7577,6 +7562,237 @@
           </a:graphicData>
         </a:graphic>
       </p:graphicFrame>
+      <p:grpSp>
+        <p:nvGrpSpPr>
+          <p:cNvPr id="11" name="Gruppieren 10"/>
+          <p:cNvGrpSpPr/>
+          <p:nvPr/>
+        </p:nvGrpSpPr>
+        <p:grpSpPr>
+          <a:xfrm>
+            <a:off x="433053" y="842400"/>
+            <a:ext cx="2204020" cy="215444"/>
+            <a:chOff x="433053" y="825991"/>
+            <a:chExt cx="2204020" cy="215444"/>
+          </a:xfrm>
+        </p:grpSpPr>
+        <p:cxnSp>
+          <p:nvCxnSpPr>
+            <p:cNvPr id="17" name="Gerader Verbinder 16"/>
+            <p:cNvCxnSpPr/>
+            <p:nvPr/>
+          </p:nvCxnSpPr>
+          <p:spPr>
+            <a:xfrm>
+              <a:off x="1220750" y="943200"/>
+              <a:ext cx="288000" cy="0"/>
+            </a:xfrm>
+            <a:prstGeom prst="line">
+              <a:avLst/>
+            </a:prstGeom>
+            <a:ln w="12700">
+              <a:solidFill>
+                <a:schemeClr val="tx1"/>
+              </a:solidFill>
+              <a:prstDash val="sysDash"/>
+            </a:ln>
+          </p:spPr>
+          <p:style>
+            <a:lnRef idx="1">
+              <a:schemeClr val="accent6"/>
+            </a:lnRef>
+            <a:fillRef idx="0">
+              <a:schemeClr val="accent6"/>
+            </a:fillRef>
+            <a:effectRef idx="0">
+              <a:schemeClr val="accent6"/>
+            </a:effectRef>
+            <a:fontRef idx="minor">
+              <a:schemeClr val="tx1"/>
+            </a:fontRef>
+          </p:style>
+        </p:cxnSp>
+        <p:sp>
+          <p:nvSpPr>
+            <p:cNvPr id="5" name="Textfeld 4"/>
+            <p:cNvSpPr txBox="1"/>
+            <p:nvPr/>
+          </p:nvSpPr>
+          <p:spPr>
+            <a:xfrm>
+              <a:off x="1467540" y="825991"/>
+              <a:ext cx="412292" cy="215444"/>
+            </a:xfrm>
+            <a:prstGeom prst="rect">
+              <a:avLst/>
+            </a:prstGeom>
+            <a:noFill/>
+          </p:spPr>
+          <p:txBody>
+            <a:bodyPr wrap="none" rtlCol="0" anchor="ctr">
+              <a:spAutoFit/>
+            </a:bodyPr>
+            <a:lstStyle/>
+            <a:p>
+              <a:r>
+                <a:rPr lang="de-DE" sz="800" dirty="0" smtClean="0">
+                  <a:latin typeface="Times New Roman" panose="02020603050405020304" pitchFamily="18" charset="0"/>
+                  <a:cs typeface="Times New Roman" panose="02020603050405020304" pitchFamily="18" charset="0"/>
+                </a:rPr>
+                <a:t>spiral</a:t>
+              </a:r>
+              <a:endParaRPr lang="de-DE" sz="800" dirty="0">
+                <a:latin typeface="Times New Roman" panose="02020603050405020304" pitchFamily="18" charset="0"/>
+                <a:cs typeface="Times New Roman" panose="02020603050405020304" pitchFamily="18" charset="0"/>
+              </a:endParaRPr>
+            </a:p>
+          </p:txBody>
+        </p:sp>
+        <p:cxnSp>
+          <p:nvCxnSpPr>
+            <p:cNvPr id="22" name="Gerader Verbinder 21"/>
+            <p:cNvCxnSpPr/>
+            <p:nvPr/>
+          </p:nvCxnSpPr>
+          <p:spPr>
+            <a:xfrm>
+              <a:off x="433053" y="943200"/>
+              <a:ext cx="280800" cy="0"/>
+            </a:xfrm>
+            <a:prstGeom prst="line">
+              <a:avLst/>
+            </a:prstGeom>
+            <a:ln w="12700">
+              <a:solidFill>
+                <a:schemeClr val="tx1"/>
+              </a:solidFill>
+              <a:prstDash val="sysDot"/>
+            </a:ln>
+          </p:spPr>
+          <p:style>
+            <a:lnRef idx="1">
+              <a:schemeClr val="accent6"/>
+            </a:lnRef>
+            <a:fillRef idx="0">
+              <a:schemeClr val="accent6"/>
+            </a:fillRef>
+            <a:effectRef idx="0">
+              <a:schemeClr val="accent6"/>
+            </a:effectRef>
+            <a:fontRef idx="minor">
+              <a:schemeClr val="tx1"/>
+            </a:fontRef>
+          </p:style>
+        </p:cxnSp>
+        <p:sp>
+          <p:nvSpPr>
+            <p:cNvPr id="24" name="Textfeld 23"/>
+            <p:cNvSpPr txBox="1"/>
+            <p:nvPr/>
+          </p:nvSpPr>
+          <p:spPr>
+            <a:xfrm>
+              <a:off x="679843" y="825991"/>
+              <a:ext cx="338554" cy="215444"/>
+            </a:xfrm>
+            <a:prstGeom prst="rect">
+              <a:avLst/>
+            </a:prstGeom>
+            <a:noFill/>
+          </p:spPr>
+          <p:txBody>
+            <a:bodyPr wrap="none" rtlCol="0" anchor="ctr">
+              <a:spAutoFit/>
+            </a:bodyPr>
+            <a:lstStyle/>
+            <a:p>
+              <a:r>
+                <a:rPr lang="de-DE" sz="800" dirty="0" err="1" smtClean="0">
+                  <a:latin typeface="Times New Roman" panose="02020603050405020304" pitchFamily="18" charset="0"/>
+                  <a:cs typeface="Times New Roman" panose="02020603050405020304" pitchFamily="18" charset="0"/>
+                </a:rPr>
+                <a:t>line</a:t>
+              </a:r>
+              <a:endParaRPr lang="de-DE" sz="800" dirty="0">
+                <a:latin typeface="Times New Roman" panose="02020603050405020304" pitchFamily="18" charset="0"/>
+                <a:cs typeface="Times New Roman" panose="02020603050405020304" pitchFamily="18" charset="0"/>
+              </a:endParaRPr>
+            </a:p>
+          </p:txBody>
+        </p:sp>
+        <p:cxnSp>
+          <p:nvCxnSpPr>
+            <p:cNvPr id="25" name="Gerader Verbinder 24"/>
+            <p:cNvCxnSpPr/>
+            <p:nvPr/>
+          </p:nvCxnSpPr>
+          <p:spPr>
+            <a:xfrm>
+              <a:off x="2082185" y="943200"/>
+              <a:ext cx="288000" cy="0"/>
+            </a:xfrm>
+            <a:prstGeom prst="line">
+              <a:avLst/>
+            </a:prstGeom>
+            <a:ln w="12700">
+              <a:solidFill>
+                <a:schemeClr val="tx1"/>
+              </a:solidFill>
+              <a:prstDash val="solid"/>
+            </a:ln>
+          </p:spPr>
+          <p:style>
+            <a:lnRef idx="1">
+              <a:schemeClr val="accent6"/>
+            </a:lnRef>
+            <a:fillRef idx="0">
+              <a:schemeClr val="accent6"/>
+            </a:fillRef>
+            <a:effectRef idx="0">
+              <a:schemeClr val="accent6"/>
+            </a:effectRef>
+            <a:fontRef idx="minor">
+              <a:schemeClr val="tx1"/>
+            </a:fontRef>
+          </p:style>
+        </p:cxnSp>
+        <p:sp>
+          <p:nvSpPr>
+            <p:cNvPr id="28" name="Textfeld 27"/>
+            <p:cNvSpPr txBox="1"/>
+            <p:nvPr/>
+          </p:nvSpPr>
+          <p:spPr>
+            <a:xfrm>
+              <a:off x="2328975" y="825991"/>
+              <a:ext cx="308098" cy="215444"/>
+            </a:xfrm>
+            <a:prstGeom prst="rect">
+              <a:avLst/>
+            </a:prstGeom>
+            <a:noFill/>
+          </p:spPr>
+          <p:txBody>
+            <a:bodyPr wrap="none" rtlCol="0" anchor="ctr">
+              <a:spAutoFit/>
+            </a:bodyPr>
+            <a:lstStyle/>
+            <a:p>
+              <a:r>
+                <a:rPr lang="de-DE" sz="800" dirty="0" err="1" smtClean="0">
+                  <a:latin typeface="Times New Roman" panose="02020603050405020304" pitchFamily="18" charset="0"/>
+                  <a:cs typeface="Times New Roman" panose="02020603050405020304" pitchFamily="18" charset="0"/>
+                </a:rPr>
+                <a:t>arc</a:t>
+              </a:r>
+              <a:endParaRPr lang="de-DE" sz="800" dirty="0">
+                <a:latin typeface="Times New Roman" panose="02020603050405020304" pitchFamily="18" charset="0"/>
+                <a:cs typeface="Times New Roman" panose="02020603050405020304" pitchFamily="18" charset="0"/>
+              </a:endParaRPr>
+            </a:p>
+          </p:txBody>
+        </p:sp>
+      </p:grpSp>
     </p:spTree>
   </p:cSld>
   <p:clrMapOvr>

--- a/paper/tex/fig/curvGraph.pptx
+++ b/paper/tex/fig/curvGraph.pptx
@@ -6072,7 +6072,7 @@
           <a:graphicData uri="http://schemas.openxmlformats.org/presentationml/2006/ole">
             <mc:AlternateContent xmlns:mc="http://schemas.openxmlformats.org/markup-compatibility/2006">
               <mc:Choice xmlns:v="urn:schemas-microsoft-com:vml" Requires="v">
-                <p:oleObj spid="_x0000_s1053" name="think-cell Folie" r:id="rId16" imgW="384" imgH="384" progId="TCLayout.ActiveDocument.1">
+                <p:oleObj spid="_x0000_s1055" name="think-cell Folie" r:id="rId16" imgW="384" imgH="384" progId="TCLayout.ActiveDocument.1">
                   <p:embed/>
                 </p:oleObj>
               </mc:Choice>
@@ -6688,7 +6688,7 @@
           <a:graphicData uri="http://schemas.openxmlformats.org/presentationml/2006/ole">
             <mc:AlternateContent xmlns:mc="http://schemas.openxmlformats.org/markup-compatibility/2006">
               <mc:Choice xmlns:v="urn:schemas-microsoft-com:vml" Requires="v">
-                <p:oleObj spid="_x0000_s2080" name="think-cell Folie" r:id="rId4" imgW="384" imgH="384" progId="TCLayout.ActiveDocument.1">
+                <p:oleObj spid="_x0000_s2082" name="think-cell Folie" r:id="rId4" imgW="384" imgH="384" progId="TCLayout.ActiveDocument.1">
                   <p:embed/>
                 </p:oleObj>
               </mc:Choice>
@@ -6723,6 +6723,38 @@
           </a:graphicData>
         </a:graphic>
       </p:graphicFrame>
+      <p:sp>
+        <p:nvSpPr>
+          <p:cNvPr id="29" name="Textfeld 28"/>
+          <p:cNvSpPr txBox="1"/>
+          <p:nvPr/>
+        </p:nvSpPr>
+        <p:spPr>
+          <a:xfrm>
+            <a:off x="-95623" y="-72033"/>
+            <a:ext cx="285656" cy="246221"/>
+          </a:xfrm>
+          <a:prstGeom prst="rect">
+            <a:avLst/>
+          </a:prstGeom>
+          <a:noFill/>
+        </p:spPr>
+        <p:txBody>
+          <a:bodyPr wrap="none" rtlCol="0">
+            <a:spAutoFit/>
+          </a:bodyPr>
+          <a:lstStyle/>
+          <a:p>
+            <a:r>
+              <a:rPr lang="de-DE" sz="1000" dirty="0">
+                <a:latin typeface="Times New Roman" panose="02020603050405020304" pitchFamily="18" charset="0"/>
+                <a:cs typeface="Times New Roman" panose="02020603050405020304" pitchFamily="18" charset="0"/>
+              </a:rPr>
+              <a:t>a)</a:t>
+            </a:r>
+          </a:p>
+        </p:txBody>
+      </p:sp>
       <p:cxnSp>
         <p:nvCxnSpPr>
           <p:cNvPr id="13" name="Gerade Verbindung mit Pfeil 12">
@@ -6739,7 +6771,7 @@
         </p:nvCxnSpPr>
         <p:spPr>
           <a:xfrm flipV="1">
-            <a:off x="50679" y="143991"/>
+            <a:off x="198150" y="143991"/>
             <a:ext cx="0" cy="628142"/>
           </a:xfrm>
           <a:prstGeom prst="straightConnector1">
@@ -6772,8 +6804,8 @@
         </p:nvCxnSpPr>
         <p:spPr>
           <a:xfrm>
-            <a:off x="50683" y="772133"/>
-            <a:ext cx="1140891" cy="0"/>
+            <a:off x="198154" y="772133"/>
+            <a:ext cx="1080000" cy="0"/>
           </a:xfrm>
           <a:prstGeom prst="straightConnector1">
             <a:avLst/>
@@ -6805,7 +6837,7 @@
             </p:nvSpPr>
             <p:spPr>
               <a:xfrm>
-                <a:off x="-75471" y="-72033"/>
+                <a:off x="72000" y="-72033"/>
                 <a:ext cx="471155" cy="215444"/>
               </a:xfrm>
               <a:prstGeom prst="rect">
@@ -6868,7 +6900,7 @@
             </p:nvSpPr>
             <p:spPr>
               <a:xfrm>
-                <a:off x="-75471" y="-72033"/>
+                <a:off x="72000" y="-72033"/>
                 <a:ext cx="471155" cy="215444"/>
               </a:xfrm>
               <a:prstGeom prst="rect">
@@ -6915,7 +6947,7 @@
             </p:nvSpPr>
             <p:spPr>
               <a:xfrm>
-                <a:off x="1115717" y="664412"/>
+                <a:off x="1200474" y="664412"/>
                 <a:ext cx="419346" cy="215444"/>
               </a:xfrm>
               <a:prstGeom prst="rect">
@@ -7010,7 +7042,7 @@
             </p:nvSpPr>
             <p:spPr>
               <a:xfrm>
-                <a:off x="1115717" y="664412"/>
+                <a:off x="1200474" y="664412"/>
                 <a:ext cx="419346" cy="215444"/>
               </a:xfrm>
               <a:prstGeom prst="rect">
@@ -7049,7 +7081,7 @@
         </p:nvCxnSpPr>
         <p:spPr>
           <a:xfrm>
-            <a:off x="50683" y="772133"/>
+            <a:off x="198154" y="772133"/>
             <a:ext cx="272997" cy="0"/>
           </a:xfrm>
           <a:prstGeom prst="line">
@@ -7085,7 +7117,7 @@
         </p:nvCxnSpPr>
         <p:spPr>
           <a:xfrm>
-            <a:off x="899741" y="772133"/>
+            <a:off x="1012484" y="772133"/>
             <a:ext cx="216024" cy="0"/>
           </a:xfrm>
           <a:prstGeom prst="line">
@@ -7121,7 +7153,7 @@
         </p:nvCxnSpPr>
         <p:spPr>
           <a:xfrm flipV="1">
-            <a:off x="323681" y="346525"/>
+            <a:off x="471152" y="346525"/>
             <a:ext cx="175289" cy="422271"/>
           </a:xfrm>
           <a:prstGeom prst="line">
@@ -7157,7 +7189,7 @@
         </p:nvCxnSpPr>
         <p:spPr>
           <a:xfrm flipH="1" flipV="1">
-            <a:off x="724410" y="346525"/>
+            <a:off x="837153" y="346525"/>
             <a:ext cx="175289" cy="422271"/>
           </a:xfrm>
           <a:prstGeom prst="line">
@@ -7193,8 +7225,8 @@
         </p:nvCxnSpPr>
         <p:spPr>
           <a:xfrm>
-            <a:off x="498965" y="346520"/>
-            <a:ext cx="225440" cy="0"/>
+            <a:off x="646441" y="346520"/>
+            <a:ext cx="190707" cy="0"/>
           </a:xfrm>
           <a:prstGeom prst="line">
             <a:avLst/>
@@ -7236,7 +7268,7 @@
         </p:nvCxnSpPr>
         <p:spPr>
           <a:xfrm flipV="1">
-            <a:off x="1686161" y="143995"/>
+            <a:off x="1748594" y="143995"/>
             <a:ext cx="0" cy="628291"/>
           </a:xfrm>
           <a:prstGeom prst="straightConnector1">
@@ -7269,8 +7301,8 @@
         </p:nvCxnSpPr>
         <p:spPr>
           <a:xfrm>
-            <a:off x="1686166" y="772281"/>
-            <a:ext cx="1140891" cy="0"/>
+            <a:off x="1748599" y="772281"/>
+            <a:ext cx="1116000" cy="0"/>
           </a:xfrm>
           <a:prstGeom prst="straightConnector1">
             <a:avLst/>
@@ -7302,7 +7334,7 @@
             </p:nvSpPr>
             <p:spPr>
               <a:xfrm>
-                <a:off x="1560011" y="-71885"/>
+                <a:off x="1622444" y="-71885"/>
                 <a:ext cx="391582" cy="215444"/>
               </a:xfrm>
               <a:prstGeom prst="rect">
@@ -7365,7 +7397,7 @@
             </p:nvSpPr>
             <p:spPr>
               <a:xfrm>
-                <a:off x="1560011" y="-71885"/>
+                <a:off x="1622444" y="-71885"/>
                 <a:ext cx="391582" cy="215444"/>
               </a:xfrm>
               <a:prstGeom prst="rect">
@@ -7412,7 +7444,7 @@
             </p:nvSpPr>
             <p:spPr>
               <a:xfrm>
-                <a:off x="2751199" y="664559"/>
+                <a:off x="2777276" y="664559"/>
                 <a:ext cx="426720" cy="215444"/>
               </a:xfrm>
               <a:prstGeom prst="rect">
@@ -7507,7 +7539,7 @@
             </p:nvSpPr>
             <p:spPr>
               <a:xfrm>
-                <a:off x="2751199" y="664559"/>
+                <a:off x="2777276" y="664559"/>
                 <a:ext cx="426720" cy="215444"/>
               </a:xfrm>
               <a:prstGeom prst="rect">
@@ -7547,13 +7579,13 @@
           <p:nvPr>
             <p:extLst>
               <p:ext uri="{D42A27DB-BD31-4B8C-83A1-F6EECF244321}">
-                <p14:modId xmlns:p14="http://schemas.microsoft.com/office/powerpoint/2010/main" val="2846199401"/>
+                <p14:modId xmlns:p14="http://schemas.microsoft.com/office/powerpoint/2010/main" val="2346964669"/>
               </p:ext>
             </p:extLst>
           </p:nvPr>
         </p:nvGraphicFramePr>
         <p:xfrm>
-          <a:off x="1715105" y="231933"/>
+          <a:off x="1777538" y="231933"/>
           <a:ext cx="1111951" cy="486491"/>
         </p:xfrm>
         <a:graphic>
@@ -7570,7 +7602,7 @@
         </p:nvGrpSpPr>
         <p:grpSpPr>
           <a:xfrm>
-            <a:off x="433053" y="842400"/>
+            <a:off x="469409" y="842400"/>
             <a:ext cx="2204020" cy="215444"/>
             <a:chOff x="433053" y="825991"/>
             <a:chExt cx="2204020" cy="215444"/>
@@ -7793,6 +7825,38 @@
           </p:txBody>
         </p:sp>
       </p:grpSp>
+      <p:sp>
+        <p:nvSpPr>
+          <p:cNvPr id="32" name="Textfeld 31"/>
+          <p:cNvSpPr txBox="1"/>
+          <p:nvPr/>
+        </p:nvSpPr>
+        <p:spPr>
+          <a:xfrm>
+            <a:off x="1440000" y="-72033"/>
+            <a:ext cx="292068" cy="246221"/>
+          </a:xfrm>
+          <a:prstGeom prst="rect">
+            <a:avLst/>
+          </a:prstGeom>
+          <a:noFill/>
+        </p:spPr>
+        <p:txBody>
+          <a:bodyPr wrap="none" rtlCol="0">
+            <a:spAutoFit/>
+          </a:bodyPr>
+          <a:lstStyle/>
+          <a:p>
+            <a:r>
+              <a:rPr lang="de-DE" sz="1000" dirty="0">
+                <a:latin typeface="Times New Roman" panose="02020603050405020304" pitchFamily="18" charset="0"/>
+                <a:cs typeface="Times New Roman" panose="02020603050405020304" pitchFamily="18" charset="0"/>
+              </a:rPr>
+              <a:t>b)</a:t>
+            </a:r>
+          </a:p>
+        </p:txBody>
+      </p:sp>
     </p:spTree>
   </p:cSld>
   <p:clrMapOvr>
